--- a/Crypto.pptx
+++ b/Crypto.pptx
@@ -259,7 +259,7 @@
           <a:p>
             <a:fld id="{1021973A-5E64-419D-B8A9-EC7C8B11DB60}" type="datetimeFigureOut">
               <a:rPr lang="pt-BR" smtClean="0"/>
-              <a:t>27/05/2025</a:t>
+              <a:t>29/05/2025</a:t>
             </a:fld>
             <a:endParaRPr lang="pt-BR"/>
           </a:p>
@@ -457,7 +457,7 @@
           <a:p>
             <a:fld id="{1021973A-5E64-419D-B8A9-EC7C8B11DB60}" type="datetimeFigureOut">
               <a:rPr lang="pt-BR" smtClean="0"/>
-              <a:t>27/05/2025</a:t>
+              <a:t>29/05/2025</a:t>
             </a:fld>
             <a:endParaRPr lang="pt-BR"/>
           </a:p>
@@ -665,7 +665,7 @@
           <a:p>
             <a:fld id="{1021973A-5E64-419D-B8A9-EC7C8B11DB60}" type="datetimeFigureOut">
               <a:rPr lang="pt-BR" smtClean="0"/>
-              <a:t>27/05/2025</a:t>
+              <a:t>29/05/2025</a:t>
             </a:fld>
             <a:endParaRPr lang="pt-BR"/>
           </a:p>
@@ -863,7 +863,7 @@
           <a:p>
             <a:fld id="{1021973A-5E64-419D-B8A9-EC7C8B11DB60}" type="datetimeFigureOut">
               <a:rPr lang="pt-BR" smtClean="0"/>
-              <a:t>27/05/2025</a:t>
+              <a:t>29/05/2025</a:t>
             </a:fld>
             <a:endParaRPr lang="pt-BR"/>
           </a:p>
@@ -1138,7 +1138,7 @@
           <a:p>
             <a:fld id="{1021973A-5E64-419D-B8A9-EC7C8B11DB60}" type="datetimeFigureOut">
               <a:rPr lang="pt-BR" smtClean="0"/>
-              <a:t>27/05/2025</a:t>
+              <a:t>29/05/2025</a:t>
             </a:fld>
             <a:endParaRPr lang="pt-BR"/>
           </a:p>
@@ -1403,7 +1403,7 @@
           <a:p>
             <a:fld id="{1021973A-5E64-419D-B8A9-EC7C8B11DB60}" type="datetimeFigureOut">
               <a:rPr lang="pt-BR" smtClean="0"/>
-              <a:t>27/05/2025</a:t>
+              <a:t>29/05/2025</a:t>
             </a:fld>
             <a:endParaRPr lang="pt-BR"/>
           </a:p>
@@ -1815,7 +1815,7 @@
           <a:p>
             <a:fld id="{1021973A-5E64-419D-B8A9-EC7C8B11DB60}" type="datetimeFigureOut">
               <a:rPr lang="pt-BR" smtClean="0"/>
-              <a:t>27/05/2025</a:t>
+              <a:t>29/05/2025</a:t>
             </a:fld>
             <a:endParaRPr lang="pt-BR"/>
           </a:p>
@@ -1956,7 +1956,7 @@
           <a:p>
             <a:fld id="{1021973A-5E64-419D-B8A9-EC7C8B11DB60}" type="datetimeFigureOut">
               <a:rPr lang="pt-BR" smtClean="0"/>
-              <a:t>27/05/2025</a:t>
+              <a:t>29/05/2025</a:t>
             </a:fld>
             <a:endParaRPr lang="pt-BR"/>
           </a:p>
@@ -2069,7 +2069,7 @@
           <a:p>
             <a:fld id="{1021973A-5E64-419D-B8A9-EC7C8B11DB60}" type="datetimeFigureOut">
               <a:rPr lang="pt-BR" smtClean="0"/>
-              <a:t>27/05/2025</a:t>
+              <a:t>29/05/2025</a:t>
             </a:fld>
             <a:endParaRPr lang="pt-BR"/>
           </a:p>
@@ -2380,7 +2380,7 @@
           <a:p>
             <a:fld id="{1021973A-5E64-419D-B8A9-EC7C8B11DB60}" type="datetimeFigureOut">
               <a:rPr lang="pt-BR" smtClean="0"/>
-              <a:t>27/05/2025</a:t>
+              <a:t>29/05/2025</a:t>
             </a:fld>
             <a:endParaRPr lang="pt-BR"/>
           </a:p>
@@ -2668,7 +2668,7 @@
           <a:p>
             <a:fld id="{1021973A-5E64-419D-B8A9-EC7C8B11DB60}" type="datetimeFigureOut">
               <a:rPr lang="pt-BR" smtClean="0"/>
-              <a:t>27/05/2025</a:t>
+              <a:t>29/05/2025</a:t>
             </a:fld>
             <a:endParaRPr lang="pt-BR"/>
           </a:p>
@@ -2909,7 +2909,7 @@
           <a:p>
             <a:fld id="{1021973A-5E64-419D-B8A9-EC7C8B11DB60}" type="datetimeFigureOut">
               <a:rPr lang="pt-BR" smtClean="0"/>
-              <a:t>27/05/2025</a:t>
+              <a:t>29/05/2025</a:t>
             </a:fld>
             <a:endParaRPr lang="pt-BR"/>
           </a:p>
@@ -4212,7 +4212,7 @@
         </p:nvSpPr>
         <p:spPr>
           <a:xfrm>
-            <a:off x="280024" y="4416144"/>
+            <a:off x="326619" y="4390626"/>
             <a:ext cx="3822490" cy="307777"/>
           </a:xfrm>
           <a:prstGeom prst="rect">
@@ -4235,7 +4235,7 @@
                 <a:ea typeface="Roboto" panose="02000000000000000000" pitchFamily="2" charset="0"/>
                 <a:cs typeface="Poppins" panose="00000500000000000000" pitchFamily="2" charset="0"/>
               </a:rPr>
-              <a:t>Portfolio growth over time</a:t>
+              <a:t>The best cryptocurrencies</a:t>
             </a:r>
             <a:endParaRPr lang="pt-BR" sz="1400" b="1" dirty="0">
               <a:solidFill>
@@ -4309,6 +4309,152 @@
           </a:extLst>
         </p:spPr>
       </p:pic>
+      <p:sp>
+        <p:nvSpPr>
+          <p:cNvPr id="7" name="Retângulo: Cantos Arredondados 6">
+            <a:extLst>
+              <a:ext uri="{FF2B5EF4-FFF2-40B4-BE49-F238E27FC236}">
+                <a16:creationId xmlns:a16="http://schemas.microsoft.com/office/drawing/2014/main" id="{6A8E2CB2-C4D9-B3F2-9BE9-D05B485183FC}"/>
+              </a:ext>
+            </a:extLst>
+          </p:cNvPr>
+          <p:cNvSpPr/>
+          <p:nvPr/>
+        </p:nvSpPr>
+        <p:spPr>
+          <a:xfrm>
+            <a:off x="6500670" y="435938"/>
+            <a:ext cx="941874" cy="533400"/>
+          </a:xfrm>
+          <a:prstGeom prst="roundRect">
+            <a:avLst>
+              <a:gd name="adj" fmla="val 8602"/>
+            </a:avLst>
+          </a:prstGeom>
+          <a:solidFill>
+            <a:srgbClr val="AD8507">
+              <a:alpha val="48000"/>
+            </a:srgbClr>
+          </a:solidFill>
+        </p:spPr>
+        <p:style>
+          <a:lnRef idx="2">
+            <a:schemeClr val="accent1">
+              <a:shade val="15000"/>
+            </a:schemeClr>
+          </a:lnRef>
+          <a:fillRef idx="1">
+            <a:schemeClr val="accent1"/>
+          </a:fillRef>
+          <a:effectRef idx="0">
+            <a:schemeClr val="accent1"/>
+          </a:effectRef>
+          <a:fontRef idx="minor">
+            <a:schemeClr val="lt1"/>
+          </a:fontRef>
+        </p:style>
+        <p:txBody>
+          <a:bodyPr rtlCol="0" anchor="ctr"/>
+          <a:lstStyle/>
+          <a:p>
+            <a:pPr algn="ctr"/>
+            <a:endParaRPr lang="pt-BR"/>
+          </a:p>
+        </p:txBody>
+      </p:sp>
+      <p:sp>
+        <p:nvSpPr>
+          <p:cNvPr id="9" name="CaixaDeTexto 8">
+            <a:extLst>
+              <a:ext uri="{FF2B5EF4-FFF2-40B4-BE49-F238E27FC236}">
+                <a16:creationId xmlns:a16="http://schemas.microsoft.com/office/drawing/2014/main" id="{1D0C0CAF-02A1-F2CF-75FC-DBB5BBDB3116}"/>
+              </a:ext>
+            </a:extLst>
+          </p:cNvPr>
+          <p:cNvSpPr txBox="1"/>
+          <p:nvPr/>
+        </p:nvSpPr>
+        <p:spPr>
+          <a:xfrm>
+            <a:off x="4105064" y="4390626"/>
+            <a:ext cx="3822490" cy="307777"/>
+          </a:xfrm>
+          <a:prstGeom prst="rect">
+            <a:avLst/>
+          </a:prstGeom>
+          <a:noFill/>
+        </p:spPr>
+        <p:txBody>
+          <a:bodyPr wrap="square" rtlCol="0">
+            <a:spAutoFit/>
+          </a:bodyPr>
+          <a:lstStyle/>
+          <a:p>
+            <a:r>
+              <a:rPr lang="en-US" sz="1400" b="1" dirty="0">
+                <a:solidFill>
+                  <a:schemeClr val="bg1"/>
+                </a:solidFill>
+                <a:latin typeface="Montserrat" pitchFamily="2" charset="0"/>
+                <a:ea typeface="Roboto" panose="02000000000000000000" pitchFamily="2" charset="0"/>
+                <a:cs typeface="Poppins" panose="00000500000000000000" pitchFamily="2" charset="0"/>
+              </a:rPr>
+              <a:t>The worst cryptocurrencies</a:t>
+            </a:r>
+            <a:endParaRPr lang="pt-BR" sz="1400" b="1" dirty="0">
+              <a:solidFill>
+                <a:schemeClr val="bg1"/>
+              </a:solidFill>
+              <a:latin typeface="Montserrat" pitchFamily="2" charset="0"/>
+              <a:ea typeface="Roboto" panose="02000000000000000000" pitchFamily="2" charset="0"/>
+              <a:cs typeface="Poppins" panose="00000500000000000000" pitchFamily="2" charset="0"/>
+            </a:endParaRPr>
+          </a:p>
+        </p:txBody>
+      </p:sp>
+      <p:cxnSp>
+        <p:nvCxnSpPr>
+          <p:cNvPr id="12" name="Conector reto 11">
+            <a:extLst>
+              <a:ext uri="{FF2B5EF4-FFF2-40B4-BE49-F238E27FC236}">
+                <a16:creationId xmlns:a16="http://schemas.microsoft.com/office/drawing/2014/main" id="{96DAF2F9-FB81-18B9-9FBD-5871CACB6C38}"/>
+              </a:ext>
+            </a:extLst>
+          </p:cNvPr>
+          <p:cNvCxnSpPr>
+            <a:cxnSpLocks/>
+          </p:cNvCxnSpPr>
+          <p:nvPr/>
+        </p:nvCxnSpPr>
+        <p:spPr>
+          <a:xfrm>
+            <a:off x="3922529" y="4698403"/>
+            <a:ext cx="0" cy="1654271"/>
+          </a:xfrm>
+          <a:prstGeom prst="line">
+            <a:avLst/>
+          </a:prstGeom>
+          <a:ln>
+            <a:solidFill>
+              <a:schemeClr val="bg2"/>
+            </a:solidFill>
+          </a:ln>
+        </p:spPr>
+        <p:style>
+          <a:lnRef idx="1">
+            <a:schemeClr val="accent1"/>
+          </a:lnRef>
+          <a:fillRef idx="0">
+            <a:schemeClr val="accent1"/>
+          </a:fillRef>
+          <a:effectRef idx="0">
+            <a:schemeClr val="accent1"/>
+          </a:effectRef>
+          <a:fontRef idx="minor">
+            <a:schemeClr val="tx1"/>
+          </a:fontRef>
+        </p:style>
+      </p:cxnSp>
     </p:spTree>
     <p:extLst>
       <p:ext uri="{BB962C8B-B14F-4D97-AF65-F5344CB8AC3E}">
